--- a/images/image_slides.pptx
+++ b/images/image_slides.pptx
@@ -104,6 +104,11 @@
       </a:defRPr>
     </a:lvl9pPr>
   </p:defaultTextStyle>
+  <p:extLst>
+    <p:ext uri="{EFAFB233-063F-42B5-8137-9DF3F51BA10A}">
+      <p15:sldGuideLst xmlns:p15="http://schemas.microsoft.com/office/powerpoint/2012/main"/>
+    </p:ext>
+  </p:extLst>
 </p:presentation>
 </file>
 
@@ -120,12 +125,12 @@
   <pc:docChgLst>
     <pc:chgData name="Maurice LING (TP)" userId="0a3aaf87-36fe-4e5f-b03e-f28aa414cf2f" providerId="ADAL" clId="{CED1D2B0-2E36-4D8F-8724-C6F06E46725E}"/>
     <pc:docChg chg="undo custSel modSld">
-      <pc:chgData name="Maurice LING (TP)" userId="0a3aaf87-36fe-4e5f-b03e-f28aa414cf2f" providerId="ADAL" clId="{CED1D2B0-2E36-4D8F-8724-C6F06E46725E}" dt="2022-01-27T04:26:30.309" v="162" actId="1076"/>
+      <pc:chgData name="Maurice LING (TP)" userId="0a3aaf87-36fe-4e5f-b03e-f28aa414cf2f" providerId="ADAL" clId="{CED1D2B0-2E36-4D8F-8724-C6F06E46725E}" dt="2022-01-27T04:49:07.303" v="165" actId="1076"/>
       <pc:docMkLst>
         <pc:docMk/>
       </pc:docMkLst>
       <pc:sldChg chg="addSp delSp modSp mod">
-        <pc:chgData name="Maurice LING (TP)" userId="0a3aaf87-36fe-4e5f-b03e-f28aa414cf2f" providerId="ADAL" clId="{CED1D2B0-2E36-4D8F-8724-C6F06E46725E}" dt="2022-01-27T04:26:30.309" v="162" actId="1076"/>
+        <pc:chgData name="Maurice LING (TP)" userId="0a3aaf87-36fe-4e5f-b03e-f28aa414cf2f" providerId="ADAL" clId="{CED1D2B0-2E36-4D8F-8724-C6F06E46725E}" dt="2022-01-27T04:49:07.303" v="165" actId="1076"/>
         <pc:sldMkLst>
           <pc:docMk/>
           <pc:sldMk cId="1316632528" sldId="256"/>
@@ -171,7 +176,7 @@
           </ac:spMkLst>
         </pc:spChg>
         <pc:spChg chg="add del mod">
-          <ac:chgData name="Maurice LING (TP)" userId="0a3aaf87-36fe-4e5f-b03e-f28aa414cf2f" providerId="ADAL" clId="{CED1D2B0-2E36-4D8F-8724-C6F06E46725E}" dt="2022-01-27T04:23:07.516" v="67" actId="1037"/>
+          <ac:chgData name="Maurice LING (TP)" userId="0a3aaf87-36fe-4e5f-b03e-f28aa414cf2f" providerId="ADAL" clId="{CED1D2B0-2E36-4D8F-8724-C6F06E46725E}" dt="2022-01-27T04:49:01.053" v="164" actId="1076"/>
           <ac:spMkLst>
             <pc:docMk/>
             <pc:sldMk cId="1316632528" sldId="256"/>
@@ -227,7 +232,7 @@
           </ac:spMkLst>
         </pc:spChg>
         <pc:spChg chg="add mod">
-          <ac:chgData name="Maurice LING (TP)" userId="0a3aaf87-36fe-4e5f-b03e-f28aa414cf2f" providerId="ADAL" clId="{CED1D2B0-2E36-4D8F-8724-C6F06E46725E}" dt="2022-01-27T04:22:44.345" v="60" actId="2711"/>
+          <ac:chgData name="Maurice LING (TP)" userId="0a3aaf87-36fe-4e5f-b03e-f28aa414cf2f" providerId="ADAL" clId="{CED1D2B0-2E36-4D8F-8724-C6F06E46725E}" dt="2022-01-27T04:49:07.303" v="165" actId="1076"/>
           <ac:spMkLst>
             <pc:docMk/>
             <pc:sldMk cId="1316632528" sldId="256"/>
@@ -3882,7 +3887,7 @@
         </p:nvSpPr>
         <p:spPr>
           <a:xfrm>
-            <a:off x="4676831" y="3031671"/>
+            <a:off x="4630384" y="5092788"/>
             <a:ext cx="748923" cy="369332"/>
           </a:xfrm>
           <a:prstGeom prst="rect">
@@ -4152,7 +4157,7 @@
         </p:nvSpPr>
         <p:spPr>
           <a:xfrm>
-            <a:off x="5517046" y="4680581"/>
+            <a:off x="5489761" y="4839679"/>
             <a:ext cx="1286526" cy="646331"/>
           </a:xfrm>
           <a:prstGeom prst="rect">

--- a/images/image_slides.pptx
+++ b/images/image_slides.pptx
@@ -6,6 +6,7 @@
   </p:sldMasterIdLst>
   <p:sldIdLst>
     <p:sldId id="256" r:id="rId2"/>
+    <p:sldId id="257" r:id="rId3"/>
   </p:sldIdLst>
   <p:sldSz cx="12192000" cy="6858000"/>
   <p:notesSz cx="6858000" cy="9144000"/>
@@ -115,13 +116,125 @@
 <file path=ppt/revisionInfo.xml><?xml version="1.0" encoding="utf-8"?>
 <p1510:revInfo xmlns:a="http://schemas.openxmlformats.org/drawingml/2006/main" xmlns:r="http://schemas.openxmlformats.org/officeDocument/2006/relationships" xmlns:p1510="http://schemas.microsoft.com/office/powerpoint/2015/10/main">
   <p1510:revLst>
-    <p1510:client id="{CED1D2B0-2E36-4D8F-8724-C6F06E46725E}" v="12" dt="2022-01-27T04:25:59.115"/>
+    <p1510:client id="{42C7297D-6422-4519-AE6E-A213C5929F89}" v="1" dt="2022-09-19T09:35:55.078"/>
   </p1510:revLst>
 </p1510:revInfo>
 </file>
 
 <file path=ppt/changesInfos/changesInfo1.xml><?xml version="1.0" encoding="utf-8"?>
 <pc:chgInfo xmlns:a="http://schemas.openxmlformats.org/drawingml/2006/main" xmlns:r="http://schemas.openxmlformats.org/officeDocument/2006/relationships" xmlns:ac="http://schemas.microsoft.com/office/drawing/2013/main/command" xmlns:pc="http://schemas.microsoft.com/office/powerpoint/2013/main/command">
+  <pc:docChgLst>
+    <pc:chgData name="Maurice LING (TP)" userId="0a3aaf87-36fe-4e5f-b03e-f28aa414cf2f" providerId="ADAL" clId="{42C7297D-6422-4519-AE6E-A213C5929F89}"/>
+    <pc:docChg chg="custSel addSld modSld">
+      <pc:chgData name="Maurice LING (TP)" userId="0a3aaf87-36fe-4e5f-b03e-f28aa414cf2f" providerId="ADAL" clId="{42C7297D-6422-4519-AE6E-A213C5929F89}" dt="2022-09-19T09:35:55.078" v="3"/>
+      <pc:docMkLst>
+        <pc:docMk/>
+      </pc:docMkLst>
+      <pc:sldChg chg="addSp delSp modSp new mod">
+        <pc:chgData name="Maurice LING (TP)" userId="0a3aaf87-36fe-4e5f-b03e-f28aa414cf2f" providerId="ADAL" clId="{42C7297D-6422-4519-AE6E-A213C5929F89}" dt="2022-09-19T09:35:55.078" v="3"/>
+        <pc:sldMkLst>
+          <pc:docMk/>
+          <pc:sldMk cId="3045202981" sldId="257"/>
+        </pc:sldMkLst>
+        <pc:spChg chg="del">
+          <ac:chgData name="Maurice LING (TP)" userId="0a3aaf87-36fe-4e5f-b03e-f28aa414cf2f" providerId="ADAL" clId="{42C7297D-6422-4519-AE6E-A213C5929F89}" dt="2022-09-19T09:35:54.095" v="2" actId="478"/>
+          <ac:spMkLst>
+            <pc:docMk/>
+            <pc:sldMk cId="3045202981" sldId="257"/>
+            <ac:spMk id="2" creationId="{8F4872DF-AC25-4521-9B0F-C6FF079A7643}"/>
+          </ac:spMkLst>
+        </pc:spChg>
+        <pc:spChg chg="del">
+          <ac:chgData name="Maurice LING (TP)" userId="0a3aaf87-36fe-4e5f-b03e-f28aa414cf2f" providerId="ADAL" clId="{42C7297D-6422-4519-AE6E-A213C5929F89}" dt="2022-09-19T09:35:51.629" v="1" actId="478"/>
+          <ac:spMkLst>
+            <pc:docMk/>
+            <pc:sldMk cId="3045202981" sldId="257"/>
+            <ac:spMk id="3" creationId="{9EDAD4DB-4C8D-4D9E-B233-F9B33FF036AC}"/>
+          </ac:spMkLst>
+        </pc:spChg>
+        <pc:spChg chg="add mod">
+          <ac:chgData name="Maurice LING (TP)" userId="0a3aaf87-36fe-4e5f-b03e-f28aa414cf2f" providerId="ADAL" clId="{42C7297D-6422-4519-AE6E-A213C5929F89}" dt="2022-09-19T09:35:55.078" v="3"/>
+          <ac:spMkLst>
+            <pc:docMk/>
+            <pc:sldMk cId="3045202981" sldId="257"/>
+            <ac:spMk id="4" creationId="{68B7CB64-FE01-4E99-BD6F-7479ACCD34D7}"/>
+          </ac:spMkLst>
+        </pc:spChg>
+        <pc:spChg chg="add mod">
+          <ac:chgData name="Maurice LING (TP)" userId="0a3aaf87-36fe-4e5f-b03e-f28aa414cf2f" providerId="ADAL" clId="{42C7297D-6422-4519-AE6E-A213C5929F89}" dt="2022-09-19T09:35:55.078" v="3"/>
+          <ac:spMkLst>
+            <pc:docMk/>
+            <pc:sldMk cId="3045202981" sldId="257"/>
+            <ac:spMk id="5" creationId="{44BECB20-0EDA-4177-A742-E84DB3C7C1C6}"/>
+          </ac:spMkLst>
+        </pc:spChg>
+        <pc:spChg chg="add mod">
+          <ac:chgData name="Maurice LING (TP)" userId="0a3aaf87-36fe-4e5f-b03e-f28aa414cf2f" providerId="ADAL" clId="{42C7297D-6422-4519-AE6E-A213C5929F89}" dt="2022-09-19T09:35:55.078" v="3"/>
+          <ac:spMkLst>
+            <pc:docMk/>
+            <pc:sldMk cId="3045202981" sldId="257"/>
+            <ac:spMk id="6" creationId="{11671ED5-42AF-4571-82B8-520410D6A833}"/>
+          </ac:spMkLst>
+        </pc:spChg>
+        <pc:spChg chg="add mod">
+          <ac:chgData name="Maurice LING (TP)" userId="0a3aaf87-36fe-4e5f-b03e-f28aa414cf2f" providerId="ADAL" clId="{42C7297D-6422-4519-AE6E-A213C5929F89}" dt="2022-09-19T09:35:55.078" v="3"/>
+          <ac:spMkLst>
+            <pc:docMk/>
+            <pc:sldMk cId="3045202981" sldId="257"/>
+            <ac:spMk id="8" creationId="{52AAE654-C138-47E7-B73A-F5AFF342F0D4}"/>
+          </ac:spMkLst>
+        </pc:spChg>
+        <pc:spChg chg="add mod">
+          <ac:chgData name="Maurice LING (TP)" userId="0a3aaf87-36fe-4e5f-b03e-f28aa414cf2f" providerId="ADAL" clId="{42C7297D-6422-4519-AE6E-A213C5929F89}" dt="2022-09-19T09:35:55.078" v="3"/>
+          <ac:spMkLst>
+            <pc:docMk/>
+            <pc:sldMk cId="3045202981" sldId="257"/>
+            <ac:spMk id="10" creationId="{35961EF0-A22B-4873-8E0B-3BB7F2AC9F9D}"/>
+          </ac:spMkLst>
+        </pc:spChg>
+        <pc:spChg chg="add mod">
+          <ac:chgData name="Maurice LING (TP)" userId="0a3aaf87-36fe-4e5f-b03e-f28aa414cf2f" providerId="ADAL" clId="{42C7297D-6422-4519-AE6E-A213C5929F89}" dt="2022-09-19T09:35:55.078" v="3"/>
+          <ac:spMkLst>
+            <pc:docMk/>
+            <pc:sldMk cId="3045202981" sldId="257"/>
+            <ac:spMk id="11" creationId="{E2366383-D44C-48BE-BAD1-BDB8E1677540}"/>
+          </ac:spMkLst>
+        </pc:spChg>
+        <pc:spChg chg="add mod">
+          <ac:chgData name="Maurice LING (TP)" userId="0a3aaf87-36fe-4e5f-b03e-f28aa414cf2f" providerId="ADAL" clId="{42C7297D-6422-4519-AE6E-A213C5929F89}" dt="2022-09-19T09:35:55.078" v="3"/>
+          <ac:spMkLst>
+            <pc:docMk/>
+            <pc:sldMk cId="3045202981" sldId="257"/>
+            <ac:spMk id="12" creationId="{5DBE7F0A-A82E-4E2A-8762-C96536A7AB5C}"/>
+          </ac:spMkLst>
+        </pc:spChg>
+        <pc:spChg chg="add mod">
+          <ac:chgData name="Maurice LING (TP)" userId="0a3aaf87-36fe-4e5f-b03e-f28aa414cf2f" providerId="ADAL" clId="{42C7297D-6422-4519-AE6E-A213C5929F89}" dt="2022-09-19T09:35:55.078" v="3"/>
+          <ac:spMkLst>
+            <pc:docMk/>
+            <pc:sldMk cId="3045202981" sldId="257"/>
+            <ac:spMk id="13" creationId="{959F21DB-30FB-4D95-ADD6-8B0205021705}"/>
+          </ac:spMkLst>
+        </pc:spChg>
+        <pc:cxnChg chg="add mod">
+          <ac:chgData name="Maurice LING (TP)" userId="0a3aaf87-36fe-4e5f-b03e-f28aa414cf2f" providerId="ADAL" clId="{42C7297D-6422-4519-AE6E-A213C5929F89}" dt="2022-09-19T09:35:55.078" v="3"/>
+          <ac:cxnSpMkLst>
+            <pc:docMk/>
+            <pc:sldMk cId="3045202981" sldId="257"/>
+            <ac:cxnSpMk id="7" creationId="{14D03173-2485-451C-AA30-A02982B8A8E6}"/>
+          </ac:cxnSpMkLst>
+        </pc:cxnChg>
+        <pc:cxnChg chg="add mod">
+          <ac:chgData name="Maurice LING (TP)" userId="0a3aaf87-36fe-4e5f-b03e-f28aa414cf2f" providerId="ADAL" clId="{42C7297D-6422-4519-AE6E-A213C5929F89}" dt="2022-09-19T09:35:55.078" v="3"/>
+          <ac:cxnSpMkLst>
+            <pc:docMk/>
+            <pc:sldMk cId="3045202981" sldId="257"/>
+            <ac:cxnSpMk id="9" creationId="{AC325819-9196-40EE-9842-36C4DBA58136}"/>
+          </ac:cxnSpMkLst>
+        </pc:cxnChg>
+      </pc:sldChg>
+    </pc:docChg>
+  </pc:docChgLst>
   <pc:docChgLst>
     <pc:chgData name="Maurice LING (TP)" userId="0a3aaf87-36fe-4e5f-b03e-f28aa414cf2f" providerId="ADAL" clId="{CED1D2B0-2E36-4D8F-8724-C6F06E46725E}"/>
     <pc:docChg chg="undo custSel modSld">
@@ -424,7 +537,7 @@
           <a:p>
             <a:fld id="{775A7A83-3C7A-463D-B437-60D798D3A08A}" type="datetimeFigureOut">
               <a:rPr lang="en-US" smtClean="0"/>
-              <a:t>1/27/2022</a:t>
+              <a:t>9/19/2022</a:t>
             </a:fld>
             <a:endParaRPr lang="en-US"/>
           </a:p>
@@ -622,7 +735,7 @@
           <a:p>
             <a:fld id="{775A7A83-3C7A-463D-B437-60D798D3A08A}" type="datetimeFigureOut">
               <a:rPr lang="en-US" smtClean="0"/>
-              <a:t>1/27/2022</a:t>
+              <a:t>9/19/2022</a:t>
             </a:fld>
             <a:endParaRPr lang="en-US"/>
           </a:p>
@@ -830,7 +943,7 @@
           <a:p>
             <a:fld id="{775A7A83-3C7A-463D-B437-60D798D3A08A}" type="datetimeFigureOut">
               <a:rPr lang="en-US" smtClean="0"/>
-              <a:t>1/27/2022</a:t>
+              <a:t>9/19/2022</a:t>
             </a:fld>
             <a:endParaRPr lang="en-US"/>
           </a:p>
@@ -1028,7 +1141,7 @@
           <a:p>
             <a:fld id="{775A7A83-3C7A-463D-B437-60D798D3A08A}" type="datetimeFigureOut">
               <a:rPr lang="en-US" smtClean="0"/>
-              <a:t>1/27/2022</a:t>
+              <a:t>9/19/2022</a:t>
             </a:fld>
             <a:endParaRPr lang="en-US"/>
           </a:p>
@@ -1303,7 +1416,7 @@
           <a:p>
             <a:fld id="{775A7A83-3C7A-463D-B437-60D798D3A08A}" type="datetimeFigureOut">
               <a:rPr lang="en-US" smtClean="0"/>
-              <a:t>1/27/2022</a:t>
+              <a:t>9/19/2022</a:t>
             </a:fld>
             <a:endParaRPr lang="en-US"/>
           </a:p>
@@ -1568,7 +1681,7 @@
           <a:p>
             <a:fld id="{775A7A83-3C7A-463D-B437-60D798D3A08A}" type="datetimeFigureOut">
               <a:rPr lang="en-US" smtClean="0"/>
-              <a:t>1/27/2022</a:t>
+              <a:t>9/19/2022</a:t>
             </a:fld>
             <a:endParaRPr lang="en-US"/>
           </a:p>
@@ -1980,7 +2093,7 @@
           <a:p>
             <a:fld id="{775A7A83-3C7A-463D-B437-60D798D3A08A}" type="datetimeFigureOut">
               <a:rPr lang="en-US" smtClean="0"/>
-              <a:t>1/27/2022</a:t>
+              <a:t>9/19/2022</a:t>
             </a:fld>
             <a:endParaRPr lang="en-US"/>
           </a:p>
@@ -2121,7 +2234,7 @@
           <a:p>
             <a:fld id="{775A7A83-3C7A-463D-B437-60D798D3A08A}" type="datetimeFigureOut">
               <a:rPr lang="en-US" smtClean="0"/>
-              <a:t>1/27/2022</a:t>
+              <a:t>9/19/2022</a:t>
             </a:fld>
             <a:endParaRPr lang="en-US"/>
           </a:p>
@@ -2234,7 +2347,7 @@
           <a:p>
             <a:fld id="{775A7A83-3C7A-463D-B437-60D798D3A08A}" type="datetimeFigureOut">
               <a:rPr lang="en-US" smtClean="0"/>
-              <a:t>1/27/2022</a:t>
+              <a:t>9/19/2022</a:t>
             </a:fld>
             <a:endParaRPr lang="en-US"/>
           </a:p>
@@ -2545,7 +2658,7 @@
           <a:p>
             <a:fld id="{775A7A83-3C7A-463D-B437-60D798D3A08A}" type="datetimeFigureOut">
               <a:rPr lang="en-US" smtClean="0"/>
-              <a:t>1/27/2022</a:t>
+              <a:t>9/19/2022</a:t>
             </a:fld>
             <a:endParaRPr lang="en-US"/>
           </a:p>
@@ -2833,7 +2946,7 @@
           <a:p>
             <a:fld id="{775A7A83-3C7A-463D-B437-60D798D3A08A}" type="datetimeFigureOut">
               <a:rPr lang="en-US" smtClean="0"/>
-              <a:t>1/27/2022</a:t>
+              <a:t>9/19/2022</a:t>
             </a:fld>
             <a:endParaRPr lang="en-US"/>
           </a:p>
@@ -3074,7 +3187,7 @@
           <a:p>
             <a:fld id="{775A7A83-3C7A-463D-B437-60D798D3A08A}" type="datetimeFigureOut">
               <a:rPr lang="en-US" smtClean="0"/>
-              <a:t>1/27/2022</a:t>
+              <a:t>9/19/2022</a:t>
             </a:fld>
             <a:endParaRPr lang="en-US"/>
           </a:p>
@@ -4358,6 +4471,489 @@
 </p:sld>
 </file>
 
+<file path=ppt/slides/slide2.xml><?xml version="1.0" encoding="utf-8"?>
+<p:sld xmlns:a="http://schemas.openxmlformats.org/drawingml/2006/main" xmlns:r="http://schemas.openxmlformats.org/officeDocument/2006/relationships" xmlns:p="http://schemas.openxmlformats.org/presentationml/2006/main">
+  <p:cSld>
+    <p:spTree>
+      <p:nvGrpSpPr>
+        <p:cNvPr id="1" name=""/>
+        <p:cNvGrpSpPr/>
+        <p:nvPr/>
+      </p:nvGrpSpPr>
+      <p:grpSpPr>
+        <a:xfrm>
+          <a:off x="0" y="0"/>
+          <a:ext cx="0" cy="0"/>
+          <a:chOff x="0" y="0"/>
+          <a:chExt cx="0" cy="0"/>
+        </a:xfrm>
+      </p:grpSpPr>
+      <p:sp>
+        <p:nvSpPr>
+          <p:cNvPr id="4" name="Oval 3">
+            <a:extLst>
+              <a:ext uri="{FF2B5EF4-FFF2-40B4-BE49-F238E27FC236}">
+                <a16:creationId xmlns:a16="http://schemas.microsoft.com/office/drawing/2014/main" id="{68B7CB64-FE01-4E99-BD6F-7479ACCD34D7}"/>
+              </a:ext>
+            </a:extLst>
+          </p:cNvPr>
+          <p:cNvSpPr/>
+          <p:nvPr/>
+        </p:nvSpPr>
+        <p:spPr>
+          <a:xfrm>
+            <a:off x="1197429" y="2372810"/>
+            <a:ext cx="1890865" cy="3020992"/>
+          </a:xfrm>
+          <a:prstGeom prst="ellipse">
+            <a:avLst/>
+          </a:prstGeom>
+          <a:solidFill>
+            <a:srgbClr val="6699FF"/>
+          </a:solidFill>
+        </p:spPr>
+        <p:style>
+          <a:lnRef idx="1">
+            <a:schemeClr val="accent3"/>
+          </a:lnRef>
+          <a:fillRef idx="2">
+            <a:schemeClr val="accent3"/>
+          </a:fillRef>
+          <a:effectRef idx="1">
+            <a:schemeClr val="accent3"/>
+          </a:effectRef>
+          <a:fontRef idx="minor">
+            <a:schemeClr val="dk1"/>
+          </a:fontRef>
+        </p:style>
+        <p:txBody>
+          <a:bodyPr vert="horz" rtlCol="0" anchor="ctr"/>
+          <a:lstStyle/>
+          <a:p>
+            <a:pPr algn="ctr"/>
+            <a:r>
+              <a:rPr lang="en-US" b="1" dirty="0"/>
+              <a:t>Population</a:t>
+            </a:r>
+          </a:p>
+        </p:txBody>
+      </p:sp>
+      <p:sp>
+        <p:nvSpPr>
+          <p:cNvPr id="5" name="Oval 4">
+            <a:extLst>
+              <a:ext uri="{FF2B5EF4-FFF2-40B4-BE49-F238E27FC236}">
+                <a16:creationId xmlns:a16="http://schemas.microsoft.com/office/drawing/2014/main" id="{44BECB20-0EDA-4177-A742-E84DB3C7C1C6}"/>
+              </a:ext>
+            </a:extLst>
+          </p:cNvPr>
+          <p:cNvSpPr/>
+          <p:nvPr/>
+        </p:nvSpPr>
+        <p:spPr>
+          <a:xfrm>
+            <a:off x="1917855" y="2837175"/>
+            <a:ext cx="675108" cy="319682"/>
+          </a:xfrm>
+          <a:prstGeom prst="ellipse">
+            <a:avLst/>
+          </a:prstGeom>
+          <a:solidFill>
+            <a:srgbClr val="FFC000"/>
+          </a:solidFill>
+          <a:ln>
+            <a:solidFill>
+              <a:srgbClr val="FFC000"/>
+            </a:solidFill>
+          </a:ln>
+        </p:spPr>
+        <p:style>
+          <a:lnRef idx="2">
+            <a:schemeClr val="accent1">
+              <a:shade val="50000"/>
+            </a:schemeClr>
+          </a:lnRef>
+          <a:fillRef idx="1">
+            <a:schemeClr val="accent1"/>
+          </a:fillRef>
+          <a:effectRef idx="0">
+            <a:schemeClr val="accent1"/>
+          </a:effectRef>
+          <a:fontRef idx="minor">
+            <a:schemeClr val="lt1"/>
+          </a:fontRef>
+        </p:style>
+        <p:txBody>
+          <a:bodyPr rtlCol="0" anchor="ctr"/>
+          <a:lstStyle/>
+          <a:p>
+            <a:pPr algn="ctr"/>
+            <a:endParaRPr lang="en-US"/>
+          </a:p>
+        </p:txBody>
+      </p:sp>
+      <p:sp>
+        <p:nvSpPr>
+          <p:cNvPr id="6" name="Oval 5">
+            <a:extLst>
+              <a:ext uri="{FF2B5EF4-FFF2-40B4-BE49-F238E27FC236}">
+                <a16:creationId xmlns:a16="http://schemas.microsoft.com/office/drawing/2014/main" id="{11671ED5-42AF-4571-82B8-520410D6A833}"/>
+              </a:ext>
+            </a:extLst>
+          </p:cNvPr>
+          <p:cNvSpPr/>
+          <p:nvPr/>
+        </p:nvSpPr>
+        <p:spPr>
+          <a:xfrm>
+            <a:off x="4474163" y="3500652"/>
+            <a:ext cx="726077" cy="374661"/>
+          </a:xfrm>
+          <a:prstGeom prst="ellipse">
+            <a:avLst/>
+          </a:prstGeom>
+          <a:solidFill>
+            <a:srgbClr val="FFC000"/>
+          </a:solidFill>
+          <a:ln>
+            <a:solidFill>
+              <a:srgbClr val="FFC000"/>
+            </a:solidFill>
+          </a:ln>
+        </p:spPr>
+        <p:style>
+          <a:lnRef idx="2">
+            <a:schemeClr val="accent1">
+              <a:shade val="50000"/>
+            </a:schemeClr>
+          </a:lnRef>
+          <a:fillRef idx="1">
+            <a:schemeClr val="accent1"/>
+          </a:fillRef>
+          <a:effectRef idx="0">
+            <a:schemeClr val="accent1"/>
+          </a:effectRef>
+          <a:fontRef idx="minor">
+            <a:schemeClr val="lt1"/>
+          </a:fontRef>
+        </p:style>
+        <p:txBody>
+          <a:bodyPr rtlCol="0" anchor="ctr"/>
+          <a:lstStyle/>
+          <a:p>
+            <a:pPr algn="ctr"/>
+            <a:endParaRPr lang="en-US"/>
+          </a:p>
+        </p:txBody>
+      </p:sp>
+      <p:cxnSp>
+        <p:nvCxnSpPr>
+          <p:cNvPr id="7" name="Connector: Curved 6">
+            <a:extLst>
+              <a:ext uri="{FF2B5EF4-FFF2-40B4-BE49-F238E27FC236}">
+                <a16:creationId xmlns:a16="http://schemas.microsoft.com/office/drawing/2014/main" id="{14D03173-2485-451C-AA30-A02982B8A8E6}"/>
+              </a:ext>
+            </a:extLst>
+          </p:cNvPr>
+          <p:cNvCxnSpPr>
+            <a:cxnSpLocks/>
+            <a:stCxn id="5" idx="0"/>
+            <a:endCxn id="6" idx="0"/>
+          </p:cNvCxnSpPr>
+          <p:nvPr/>
+        </p:nvCxnSpPr>
+        <p:spPr>
+          <a:xfrm rot="16200000" flipH="1">
+            <a:off x="3214566" y="1878016"/>
+            <a:ext cx="663477" cy="2581793"/>
+          </a:xfrm>
+          <a:prstGeom prst="curvedConnector3">
+            <a:avLst>
+              <a:gd name="adj1" fmla="val -34455"/>
+            </a:avLst>
+          </a:prstGeom>
+          <a:ln w="22225">
+            <a:solidFill>
+              <a:schemeClr val="tx1"/>
+            </a:solidFill>
+            <a:tailEnd type="triangle"/>
+          </a:ln>
+        </p:spPr>
+        <p:style>
+          <a:lnRef idx="1">
+            <a:schemeClr val="accent1"/>
+          </a:lnRef>
+          <a:fillRef idx="0">
+            <a:schemeClr val="accent1"/>
+          </a:fillRef>
+          <a:effectRef idx="0">
+            <a:schemeClr val="accent1"/>
+          </a:effectRef>
+          <a:fontRef idx="minor">
+            <a:schemeClr val="tx1"/>
+          </a:fontRef>
+        </p:style>
+      </p:cxnSp>
+      <p:sp>
+        <p:nvSpPr>
+          <p:cNvPr id="8" name="TextBox 7">
+            <a:extLst>
+              <a:ext uri="{FF2B5EF4-FFF2-40B4-BE49-F238E27FC236}">
+                <a16:creationId xmlns:a16="http://schemas.microsoft.com/office/drawing/2014/main" id="{52AAE654-C138-47E7-B73A-F5AFF342F0D4}"/>
+              </a:ext>
+            </a:extLst>
+          </p:cNvPr>
+          <p:cNvSpPr txBox="1"/>
+          <p:nvPr/>
+        </p:nvSpPr>
+        <p:spPr>
+          <a:xfrm>
+            <a:off x="4464580" y="3498182"/>
+            <a:ext cx="1033888" cy="369332"/>
+          </a:xfrm>
+          <a:prstGeom prst="rect">
+            <a:avLst/>
+          </a:prstGeom>
+          <a:noFill/>
+        </p:spPr>
+        <p:txBody>
+          <a:bodyPr wrap="none" rtlCol="0">
+            <a:spAutoFit/>
+          </a:bodyPr>
+          <a:lstStyle/>
+          <a:p>
+            <a:r>
+              <a:rPr lang="en-US" b="1" dirty="0"/>
+              <a:t>Sample</a:t>
+            </a:r>
+          </a:p>
+        </p:txBody>
+      </p:sp>
+      <p:cxnSp>
+        <p:nvCxnSpPr>
+          <p:cNvPr id="9" name="Connector: Curved 8">
+            <a:extLst>
+              <a:ext uri="{FF2B5EF4-FFF2-40B4-BE49-F238E27FC236}">
+                <a16:creationId xmlns:a16="http://schemas.microsoft.com/office/drawing/2014/main" id="{AC325819-9196-40EE-9842-36C4DBA58136}"/>
+              </a:ext>
+            </a:extLst>
+          </p:cNvPr>
+          <p:cNvCxnSpPr>
+            <a:cxnSpLocks/>
+            <a:stCxn id="6" idx="4"/>
+            <a:endCxn id="4" idx="5"/>
+          </p:cNvCxnSpPr>
+          <p:nvPr/>
+        </p:nvCxnSpPr>
+        <p:spPr>
+          <a:xfrm rot="5400000">
+            <a:off x="3286256" y="3400441"/>
+            <a:ext cx="1076075" cy="2025819"/>
+          </a:xfrm>
+          <a:prstGeom prst="curvedConnector3">
+            <a:avLst>
+              <a:gd name="adj1" fmla="val 99638"/>
+            </a:avLst>
+          </a:prstGeom>
+          <a:ln w="22225">
+            <a:solidFill>
+              <a:schemeClr val="tx1"/>
+            </a:solidFill>
+            <a:tailEnd type="triangle"/>
+          </a:ln>
+        </p:spPr>
+        <p:style>
+          <a:lnRef idx="1">
+            <a:schemeClr val="accent1"/>
+          </a:lnRef>
+          <a:fillRef idx="0">
+            <a:schemeClr val="accent1"/>
+          </a:fillRef>
+          <a:effectRef idx="0">
+            <a:schemeClr val="accent1"/>
+          </a:effectRef>
+          <a:fontRef idx="minor">
+            <a:schemeClr val="tx1"/>
+          </a:fontRef>
+        </p:style>
+      </p:cxnSp>
+      <p:sp>
+        <p:nvSpPr>
+          <p:cNvPr id="10" name="TextBox 9">
+            <a:extLst>
+              <a:ext uri="{FF2B5EF4-FFF2-40B4-BE49-F238E27FC236}">
+                <a16:creationId xmlns:a16="http://schemas.microsoft.com/office/drawing/2014/main" id="{35961EF0-A22B-4873-8E0B-3BB7F2AC9F9D}"/>
+              </a:ext>
+            </a:extLst>
+          </p:cNvPr>
+          <p:cNvSpPr txBox="1"/>
+          <p:nvPr/>
+        </p:nvSpPr>
+        <p:spPr>
+          <a:xfrm>
+            <a:off x="3018373" y="2247489"/>
+            <a:ext cx="1262309" cy="369332"/>
+          </a:xfrm>
+          <a:prstGeom prst="rect">
+            <a:avLst/>
+          </a:prstGeom>
+          <a:noFill/>
+        </p:spPr>
+        <p:txBody>
+          <a:bodyPr wrap="none" rtlCol="0">
+            <a:spAutoFit/>
+          </a:bodyPr>
+          <a:lstStyle/>
+          <a:p>
+            <a:r>
+              <a:rPr lang="en-US" b="1" dirty="0"/>
+              <a:t>Sampling</a:t>
+            </a:r>
+          </a:p>
+        </p:txBody>
+      </p:sp>
+      <p:sp>
+        <p:nvSpPr>
+          <p:cNvPr id="11" name="TextBox 10">
+            <a:extLst>
+              <a:ext uri="{FF2B5EF4-FFF2-40B4-BE49-F238E27FC236}">
+                <a16:creationId xmlns:a16="http://schemas.microsoft.com/office/drawing/2014/main" id="{E2366383-D44C-48BE-BAD1-BDB8E1677540}"/>
+              </a:ext>
+            </a:extLst>
+          </p:cNvPr>
+          <p:cNvSpPr txBox="1"/>
+          <p:nvPr/>
+        </p:nvSpPr>
+        <p:spPr>
+          <a:xfrm>
+            <a:off x="3022131" y="2658819"/>
+            <a:ext cx="1444397" cy="646331"/>
+          </a:xfrm>
+          <a:prstGeom prst="rect">
+            <a:avLst/>
+          </a:prstGeom>
+          <a:noFill/>
+        </p:spPr>
+        <p:txBody>
+          <a:bodyPr wrap="none" rtlCol="0">
+            <a:spAutoFit/>
+          </a:bodyPr>
+          <a:lstStyle/>
+          <a:p>
+            <a:pPr algn="ctr"/>
+            <a:r>
+              <a:rPr lang="en-US" dirty="0"/>
+              <a:t>Based on </a:t>
+            </a:r>
+          </a:p>
+          <a:p>
+            <a:pPr algn="ctr"/>
+            <a:r>
+              <a:rPr lang="en-US" b="1" dirty="0"/>
+              <a:t>probability</a:t>
+            </a:r>
+          </a:p>
+        </p:txBody>
+      </p:sp>
+      <p:sp>
+        <p:nvSpPr>
+          <p:cNvPr id="12" name="TextBox 11">
+            <a:extLst>
+              <a:ext uri="{FF2B5EF4-FFF2-40B4-BE49-F238E27FC236}">
+                <a16:creationId xmlns:a16="http://schemas.microsoft.com/office/drawing/2014/main" id="{5DBE7F0A-A82E-4E2A-8762-C96536A7AB5C}"/>
+              </a:ext>
+            </a:extLst>
+          </p:cNvPr>
+          <p:cNvSpPr txBox="1"/>
+          <p:nvPr/>
+        </p:nvSpPr>
+        <p:spPr>
+          <a:xfrm>
+            <a:off x="3007670" y="4925827"/>
+            <a:ext cx="1289773" cy="646331"/>
+          </a:xfrm>
+          <a:prstGeom prst="rect">
+            <a:avLst/>
+          </a:prstGeom>
+          <a:noFill/>
+        </p:spPr>
+        <p:txBody>
+          <a:bodyPr wrap="square" rtlCol="0">
+            <a:spAutoFit/>
+          </a:bodyPr>
+          <a:lstStyle/>
+          <a:p>
+            <a:pPr algn="ctr"/>
+            <a:r>
+              <a:rPr lang="en-US" dirty="0"/>
+              <a:t>Based on </a:t>
+            </a:r>
+            <a:endParaRPr lang="en-US" b="1" dirty="0"/>
+          </a:p>
+          <a:p>
+            <a:pPr algn="ctr"/>
+            <a:r>
+              <a:rPr lang="en-US" b="1" dirty="0"/>
+              <a:t>statistics</a:t>
+            </a:r>
+            <a:endParaRPr lang="en-US" dirty="0"/>
+          </a:p>
+        </p:txBody>
+      </p:sp>
+      <p:sp>
+        <p:nvSpPr>
+          <p:cNvPr id="13" name="TextBox 12">
+            <a:extLst>
+              <a:ext uri="{FF2B5EF4-FFF2-40B4-BE49-F238E27FC236}">
+                <a16:creationId xmlns:a16="http://schemas.microsoft.com/office/drawing/2014/main" id="{959F21DB-30FB-4D95-ADD6-8B0205021705}"/>
+              </a:ext>
+            </a:extLst>
+          </p:cNvPr>
+          <p:cNvSpPr txBox="1"/>
+          <p:nvPr/>
+        </p:nvSpPr>
+        <p:spPr>
+          <a:xfrm>
+            <a:off x="3052583" y="4277026"/>
+            <a:ext cx="1411997" cy="646331"/>
+          </a:xfrm>
+          <a:prstGeom prst="rect">
+            <a:avLst/>
+          </a:prstGeom>
+          <a:noFill/>
+        </p:spPr>
+        <p:txBody>
+          <a:bodyPr wrap="none" rtlCol="0">
+            <a:spAutoFit/>
+          </a:bodyPr>
+          <a:lstStyle/>
+          <a:p>
+            <a:r>
+              <a:rPr lang="en-US" b="1" dirty="0"/>
+              <a:t>Inference /</a:t>
+            </a:r>
+          </a:p>
+          <a:p>
+            <a:r>
+              <a:rPr lang="en-US" b="1" dirty="0"/>
+              <a:t>Estimation</a:t>
+            </a:r>
+          </a:p>
+        </p:txBody>
+      </p:sp>
+    </p:spTree>
+    <p:extLst>
+      <p:ext uri="{BB962C8B-B14F-4D97-AF65-F5344CB8AC3E}">
+        <p14:creationId xmlns:p14="http://schemas.microsoft.com/office/powerpoint/2010/main" val="3045202981"/>
+      </p:ext>
+    </p:extLst>
+  </p:cSld>
+  <p:clrMapOvr>
+    <a:masterClrMapping/>
+  </p:clrMapOvr>
+</p:sld>
+</file>
+
 <file path=ppt/theme/theme1.xml><?xml version="1.0" encoding="utf-8"?>
 <a:theme xmlns:a="http://schemas.openxmlformats.org/drawingml/2006/main" name="Office Theme">
   <a:themeElements>
